--- a/2020_2 Desenvolvimento Socioemocional/Aulas/2020_09_08 Atividade Bandeira/Minha Bandeira Pessoal.pptx
+++ b/2020_2 Desenvolvimento Socioemocional/Aulas/2020_09_08 Atividade Bandeira/Minha Bandeira Pessoal.pptx
@@ -566,7 +566,7 @@
           <a:p>
             <a:fld id="{846CE7D5-CF57-46EF-B807-FDD0502418D4}" type="datetimeFigureOut">
               <a:rPr lang="en-US" smtClean="0"/>
-              <a:t>9/8/2020</a:t>
+              <a:t>9/9/2020</a:t>
             </a:fld>
             <a:endParaRPr lang="en-US"/>
           </a:p>
@@ -736,7 +736,7 @@
           <a:p>
             <a:fld id="{846CE7D5-CF57-46EF-B807-FDD0502418D4}" type="datetimeFigureOut">
               <a:rPr lang="en-US" smtClean="0"/>
-              <a:t>9/8/2020</a:t>
+              <a:t>9/9/2020</a:t>
             </a:fld>
             <a:endParaRPr lang="en-US"/>
           </a:p>
@@ -916,7 +916,7 @@
           <a:p>
             <a:fld id="{846CE7D5-CF57-46EF-B807-FDD0502418D4}" type="datetimeFigureOut">
               <a:rPr lang="en-US" smtClean="0"/>
-              <a:t>9/8/2020</a:t>
+              <a:t>9/9/2020</a:t>
             </a:fld>
             <a:endParaRPr lang="en-US"/>
           </a:p>
@@ -1086,7 +1086,7 @@
           <a:p>
             <a:fld id="{846CE7D5-CF57-46EF-B807-FDD0502418D4}" type="datetimeFigureOut">
               <a:rPr lang="en-US" smtClean="0"/>
-              <a:t>9/8/2020</a:t>
+              <a:t>9/9/2020</a:t>
             </a:fld>
             <a:endParaRPr lang="en-US"/>
           </a:p>
@@ -1332,7 +1332,7 @@
           <a:p>
             <a:fld id="{846CE7D5-CF57-46EF-B807-FDD0502418D4}" type="datetimeFigureOut">
               <a:rPr lang="en-US" smtClean="0"/>
-              <a:t>9/8/2020</a:t>
+              <a:t>9/9/2020</a:t>
             </a:fld>
             <a:endParaRPr lang="en-US"/>
           </a:p>
@@ -1564,7 +1564,7 @@
           <a:p>
             <a:fld id="{846CE7D5-CF57-46EF-B807-FDD0502418D4}" type="datetimeFigureOut">
               <a:rPr lang="en-US" smtClean="0"/>
-              <a:t>9/8/2020</a:t>
+              <a:t>9/9/2020</a:t>
             </a:fld>
             <a:endParaRPr lang="en-US"/>
           </a:p>
@@ -1931,7 +1931,7 @@
           <a:p>
             <a:fld id="{846CE7D5-CF57-46EF-B807-FDD0502418D4}" type="datetimeFigureOut">
               <a:rPr lang="en-US" smtClean="0"/>
-              <a:t>9/8/2020</a:t>
+              <a:t>9/9/2020</a:t>
             </a:fld>
             <a:endParaRPr lang="en-US"/>
           </a:p>
@@ -2049,7 +2049,7 @@
           <a:p>
             <a:fld id="{846CE7D5-CF57-46EF-B807-FDD0502418D4}" type="datetimeFigureOut">
               <a:rPr lang="en-US" smtClean="0"/>
-              <a:t>9/8/2020</a:t>
+              <a:t>9/9/2020</a:t>
             </a:fld>
             <a:endParaRPr lang="en-US"/>
           </a:p>
@@ -2144,7 +2144,7 @@
           <a:p>
             <a:fld id="{846CE7D5-CF57-46EF-B807-FDD0502418D4}" type="datetimeFigureOut">
               <a:rPr lang="en-US" smtClean="0"/>
-              <a:t>9/8/2020</a:t>
+              <a:t>9/9/2020</a:t>
             </a:fld>
             <a:endParaRPr lang="en-US"/>
           </a:p>
@@ -2421,7 +2421,7 @@
           <a:p>
             <a:fld id="{846CE7D5-CF57-46EF-B807-FDD0502418D4}" type="datetimeFigureOut">
               <a:rPr lang="en-US" smtClean="0"/>
-              <a:t>9/8/2020</a:t>
+              <a:t>9/9/2020</a:t>
             </a:fld>
             <a:endParaRPr lang="en-US"/>
           </a:p>
@@ -2678,7 +2678,7 @@
           <a:p>
             <a:fld id="{846CE7D5-CF57-46EF-B807-FDD0502418D4}" type="datetimeFigureOut">
               <a:rPr lang="en-US" smtClean="0"/>
-              <a:t>9/8/2020</a:t>
+              <a:t>9/9/2020</a:t>
             </a:fld>
             <a:endParaRPr lang="en-US"/>
           </a:p>
@@ -2891,7 +2891,7 @@
           <a:p>
             <a:fld id="{846CE7D5-CF57-46EF-B807-FDD0502418D4}" type="datetimeFigureOut">
               <a:rPr lang="en-US" smtClean="0"/>
-              <a:t>9/8/2020</a:t>
+              <a:t>9/9/2020</a:t>
             </a:fld>
             <a:endParaRPr lang="en-US"/>
           </a:p>
@@ -3479,7 +3479,7 @@
         </p:nvCxnSpPr>
         <p:spPr>
           <a:xfrm>
-            <a:off x="1034322" y="6467299"/>
+            <a:off x="1034322" y="6506488"/>
             <a:ext cx="10463134" cy="0"/>
           </a:xfrm>
           <a:prstGeom prst="line">
@@ -3551,11 +3551,11 @@
   <p:clrMapOvr>
     <a:masterClrMapping/>
   </p:clrMapOvr>
-  <mc:AlternateContent xmlns:mc="http://schemas.openxmlformats.org/markup-compatibility/2006">
-    <mc:Choice xmlns:p14="http://schemas.microsoft.com/office/powerpoint/2010/main" Requires="p14">
+  <mc:AlternateContent xmlns:mc="http://schemas.openxmlformats.org/markup-compatibility/2006" xmlns:p14="http://schemas.microsoft.com/office/powerpoint/2010/main">
+    <mc:Choice Requires="p14">
       <p:transition spd="slow" p14:dur="2000"/>
     </mc:Choice>
-    <mc:Fallback>
+    <mc:Fallback xmlns="">
       <p:transition spd="slow"/>
     </mc:Fallback>
   </mc:AlternateContent>
